--- a/assets/images/Project_02_Fig.pptx
+++ b/assets/images/Project_02_Fig.pptx
@@ -199,7 +199,7 @@
           <a:p>
             <a:fld id="{DC0244BC-31C0-7447-AFC8-3C8FCEBD9CB4}" type="datetimeFigureOut">
               <a:rPr lang="en-US" smtClean="0"/>
-              <a:t>1/17/25</a:t>
+              <a:t>1/25/25</a:t>
             </a:fld>
             <a:endParaRPr lang="en-US"/>
           </a:p>
@@ -597,7 +597,7 @@
           <a:p>
             <a:fld id="{B249A65D-FB8A-6E46-92C5-0076C9BDF27A}" type="datetimeFigureOut">
               <a:rPr lang="en-US" smtClean="0"/>
-              <a:t>1/17/25</a:t>
+              <a:t>1/25/25</a:t>
             </a:fld>
             <a:endParaRPr lang="en-US"/>
           </a:p>
@@ -767,7 +767,7 @@
           <a:p>
             <a:fld id="{B249A65D-FB8A-6E46-92C5-0076C9BDF27A}" type="datetimeFigureOut">
               <a:rPr lang="en-US" smtClean="0"/>
-              <a:t>1/17/25</a:t>
+              <a:t>1/25/25</a:t>
             </a:fld>
             <a:endParaRPr lang="en-US"/>
           </a:p>
@@ -947,7 +947,7 @@
           <a:p>
             <a:fld id="{B249A65D-FB8A-6E46-92C5-0076C9BDF27A}" type="datetimeFigureOut">
               <a:rPr lang="en-US" smtClean="0"/>
-              <a:t>1/17/25</a:t>
+              <a:t>1/25/25</a:t>
             </a:fld>
             <a:endParaRPr lang="en-US"/>
           </a:p>
@@ -1117,7 +1117,7 @@
           <a:p>
             <a:fld id="{B249A65D-FB8A-6E46-92C5-0076C9BDF27A}" type="datetimeFigureOut">
               <a:rPr lang="en-US" smtClean="0"/>
-              <a:t>1/17/25</a:t>
+              <a:t>1/25/25</a:t>
             </a:fld>
             <a:endParaRPr lang="en-US"/>
           </a:p>
@@ -1363,7 +1363,7 @@
           <a:p>
             <a:fld id="{B249A65D-FB8A-6E46-92C5-0076C9BDF27A}" type="datetimeFigureOut">
               <a:rPr lang="en-US" smtClean="0"/>
-              <a:t>1/17/25</a:t>
+              <a:t>1/25/25</a:t>
             </a:fld>
             <a:endParaRPr lang="en-US"/>
           </a:p>
@@ -1595,7 +1595,7 @@
           <a:p>
             <a:fld id="{B249A65D-FB8A-6E46-92C5-0076C9BDF27A}" type="datetimeFigureOut">
               <a:rPr lang="en-US" smtClean="0"/>
-              <a:t>1/17/25</a:t>
+              <a:t>1/25/25</a:t>
             </a:fld>
             <a:endParaRPr lang="en-US"/>
           </a:p>
@@ -1962,7 +1962,7 @@
           <a:p>
             <a:fld id="{B249A65D-FB8A-6E46-92C5-0076C9BDF27A}" type="datetimeFigureOut">
               <a:rPr lang="en-US" smtClean="0"/>
-              <a:t>1/17/25</a:t>
+              <a:t>1/25/25</a:t>
             </a:fld>
             <a:endParaRPr lang="en-US"/>
           </a:p>
@@ -2080,7 +2080,7 @@
           <a:p>
             <a:fld id="{B249A65D-FB8A-6E46-92C5-0076C9BDF27A}" type="datetimeFigureOut">
               <a:rPr lang="en-US" smtClean="0"/>
-              <a:t>1/17/25</a:t>
+              <a:t>1/25/25</a:t>
             </a:fld>
             <a:endParaRPr lang="en-US"/>
           </a:p>
@@ -2175,7 +2175,7 @@
           <a:p>
             <a:fld id="{B249A65D-FB8A-6E46-92C5-0076C9BDF27A}" type="datetimeFigureOut">
               <a:rPr lang="en-US" smtClean="0"/>
-              <a:t>1/17/25</a:t>
+              <a:t>1/25/25</a:t>
             </a:fld>
             <a:endParaRPr lang="en-US"/>
           </a:p>
@@ -2452,7 +2452,7 @@
           <a:p>
             <a:fld id="{B249A65D-FB8A-6E46-92C5-0076C9BDF27A}" type="datetimeFigureOut">
               <a:rPr lang="en-US" smtClean="0"/>
-              <a:t>1/17/25</a:t>
+              <a:t>1/25/25</a:t>
             </a:fld>
             <a:endParaRPr lang="en-US"/>
           </a:p>
@@ -2709,7 +2709,7 @@
           <a:p>
             <a:fld id="{B249A65D-FB8A-6E46-92C5-0076C9BDF27A}" type="datetimeFigureOut">
               <a:rPr lang="en-US" smtClean="0"/>
-              <a:t>1/17/25</a:t>
+              <a:t>1/25/25</a:t>
             </a:fld>
             <a:endParaRPr lang="en-US"/>
           </a:p>
@@ -2922,7 +2922,7 @@
           <a:p>
             <a:fld id="{B249A65D-FB8A-6E46-92C5-0076C9BDF27A}" type="datetimeFigureOut">
               <a:rPr lang="en-US" smtClean="0"/>
-              <a:t>1/17/25</a:t>
+              <a:t>1/25/25</a:t>
             </a:fld>
             <a:endParaRPr lang="en-US"/>
           </a:p>

--- a/assets/images/Project_02_Fig.pptx
+++ b/assets/images/Project_02_Fig.pptx
@@ -199,7 +199,7 @@
           <a:p>
             <a:fld id="{DC0244BC-31C0-7447-AFC8-3C8FCEBD9CB4}" type="datetimeFigureOut">
               <a:rPr lang="en-US" smtClean="0"/>
-              <a:t>1/25/25</a:t>
+              <a:t>3/22/25</a:t>
             </a:fld>
             <a:endParaRPr lang="en-US"/>
           </a:p>
@@ -597,7 +597,7 @@
           <a:p>
             <a:fld id="{B249A65D-FB8A-6E46-92C5-0076C9BDF27A}" type="datetimeFigureOut">
               <a:rPr lang="en-US" smtClean="0"/>
-              <a:t>1/25/25</a:t>
+              <a:t>3/22/25</a:t>
             </a:fld>
             <a:endParaRPr lang="en-US"/>
           </a:p>
@@ -767,7 +767,7 @@
           <a:p>
             <a:fld id="{B249A65D-FB8A-6E46-92C5-0076C9BDF27A}" type="datetimeFigureOut">
               <a:rPr lang="en-US" smtClean="0"/>
-              <a:t>1/25/25</a:t>
+              <a:t>3/22/25</a:t>
             </a:fld>
             <a:endParaRPr lang="en-US"/>
           </a:p>
@@ -947,7 +947,7 @@
           <a:p>
             <a:fld id="{B249A65D-FB8A-6E46-92C5-0076C9BDF27A}" type="datetimeFigureOut">
               <a:rPr lang="en-US" smtClean="0"/>
-              <a:t>1/25/25</a:t>
+              <a:t>3/22/25</a:t>
             </a:fld>
             <a:endParaRPr lang="en-US"/>
           </a:p>
@@ -1117,7 +1117,7 @@
           <a:p>
             <a:fld id="{B249A65D-FB8A-6E46-92C5-0076C9BDF27A}" type="datetimeFigureOut">
               <a:rPr lang="en-US" smtClean="0"/>
-              <a:t>1/25/25</a:t>
+              <a:t>3/22/25</a:t>
             </a:fld>
             <a:endParaRPr lang="en-US"/>
           </a:p>
@@ -1363,7 +1363,7 @@
           <a:p>
             <a:fld id="{B249A65D-FB8A-6E46-92C5-0076C9BDF27A}" type="datetimeFigureOut">
               <a:rPr lang="en-US" smtClean="0"/>
-              <a:t>1/25/25</a:t>
+              <a:t>3/22/25</a:t>
             </a:fld>
             <a:endParaRPr lang="en-US"/>
           </a:p>
@@ -1595,7 +1595,7 @@
           <a:p>
             <a:fld id="{B249A65D-FB8A-6E46-92C5-0076C9BDF27A}" type="datetimeFigureOut">
               <a:rPr lang="en-US" smtClean="0"/>
-              <a:t>1/25/25</a:t>
+              <a:t>3/22/25</a:t>
             </a:fld>
             <a:endParaRPr lang="en-US"/>
           </a:p>
@@ -1962,7 +1962,7 @@
           <a:p>
             <a:fld id="{B249A65D-FB8A-6E46-92C5-0076C9BDF27A}" type="datetimeFigureOut">
               <a:rPr lang="en-US" smtClean="0"/>
-              <a:t>1/25/25</a:t>
+              <a:t>3/22/25</a:t>
             </a:fld>
             <a:endParaRPr lang="en-US"/>
           </a:p>
@@ -2080,7 +2080,7 @@
           <a:p>
             <a:fld id="{B249A65D-FB8A-6E46-92C5-0076C9BDF27A}" type="datetimeFigureOut">
               <a:rPr lang="en-US" smtClean="0"/>
-              <a:t>1/25/25</a:t>
+              <a:t>3/22/25</a:t>
             </a:fld>
             <a:endParaRPr lang="en-US"/>
           </a:p>
@@ -2175,7 +2175,7 @@
           <a:p>
             <a:fld id="{B249A65D-FB8A-6E46-92C5-0076C9BDF27A}" type="datetimeFigureOut">
               <a:rPr lang="en-US" smtClean="0"/>
-              <a:t>1/25/25</a:t>
+              <a:t>3/22/25</a:t>
             </a:fld>
             <a:endParaRPr lang="en-US"/>
           </a:p>
@@ -2452,7 +2452,7 @@
           <a:p>
             <a:fld id="{B249A65D-FB8A-6E46-92C5-0076C9BDF27A}" type="datetimeFigureOut">
               <a:rPr lang="en-US" smtClean="0"/>
-              <a:t>1/25/25</a:t>
+              <a:t>3/22/25</a:t>
             </a:fld>
             <a:endParaRPr lang="en-US"/>
           </a:p>
@@ -2709,7 +2709,7 @@
           <a:p>
             <a:fld id="{B249A65D-FB8A-6E46-92C5-0076C9BDF27A}" type="datetimeFigureOut">
               <a:rPr lang="en-US" smtClean="0"/>
-              <a:t>1/25/25</a:t>
+              <a:t>3/22/25</a:t>
             </a:fld>
             <a:endParaRPr lang="en-US"/>
           </a:p>
@@ -2922,7 +2922,7 @@
           <a:p>
             <a:fld id="{B249A65D-FB8A-6E46-92C5-0076C9BDF27A}" type="datetimeFigureOut">
               <a:rPr lang="en-US" smtClean="0"/>
-              <a:t>1/25/25</a:t>
+              <a:t>3/22/25</a:t>
             </a:fld>
             <a:endParaRPr lang="en-US"/>
           </a:p>
@@ -9041,6 +9041,58 @@
           </a:fontRef>
         </p:style>
       </p:cxnSp>
+      <p:sp>
+        <p:nvSpPr>
+          <p:cNvPr id="2" name="Rectangle 1">
+            <a:extLst>
+              <a:ext uri="{FF2B5EF4-FFF2-40B4-BE49-F238E27FC236}">
+                <a16:creationId xmlns:a16="http://schemas.microsoft.com/office/drawing/2014/main" id="{6A5F3FAC-0E0F-868E-E686-AF62AC8EEB62}"/>
+              </a:ext>
+            </a:extLst>
+          </p:cNvPr>
+          <p:cNvSpPr/>
+          <p:nvPr/>
+        </p:nvSpPr>
+        <p:spPr>
+          <a:xfrm>
+            <a:off x="3261674" y="1291472"/>
+            <a:ext cx="443060" cy="226243"/>
+          </a:xfrm>
+          <a:prstGeom prst="rect">
+            <a:avLst/>
+          </a:prstGeom>
+          <a:noFill/>
+          <a:ln>
+            <a:solidFill>
+              <a:schemeClr val="bg1"/>
+            </a:solidFill>
+          </a:ln>
+        </p:spPr>
+        <p:style>
+          <a:lnRef idx="2">
+            <a:schemeClr val="accent1">
+              <a:shade val="15000"/>
+            </a:schemeClr>
+          </a:lnRef>
+          <a:fillRef idx="1">
+            <a:schemeClr val="accent1"/>
+          </a:fillRef>
+          <a:effectRef idx="0">
+            <a:schemeClr val="accent1"/>
+          </a:effectRef>
+          <a:fontRef idx="minor">
+            <a:schemeClr val="lt1"/>
+          </a:fontRef>
+        </p:style>
+        <p:txBody>
+          <a:bodyPr rtlCol="0" anchor="ctr"/>
+          <a:lstStyle/>
+          <a:p>
+            <a:pPr algn="ctr"/>
+            <a:endParaRPr lang="en-US"/>
+          </a:p>
+        </p:txBody>
+      </p:sp>
     </p:spTree>
     <p:extLst>
       <p:ext uri="{BB962C8B-B14F-4D97-AF65-F5344CB8AC3E}">
@@ -9063,6 +9115,9 @@
                     <p:cTn id="3" fill="hold">
                       <p:stCondLst>
                         <p:cond delay="indefinite"/>
+                        <p:cond evt="onBegin" delay="0">
+                          <p:tn val="2"/>
+                        </p:cond>
                       </p:stCondLst>
                       <p:childTnLst>
                         <p:par>
@@ -9072,9 +9127,9 @@
                             </p:stCondLst>
                             <p:childTnLst>
                               <p:par>
-                                <p:cTn id="5" presetID="21" presetClass="entr" presetSubtype="1" fill="hold" nodeType="clickEffect">
+                                <p:cTn id="5" presetID="21" presetClass="entr" presetSubtype="1" repeatCount="0" fill="hold" nodeType="withEffect">
                                   <p:stCondLst>
-                                    <p:cond delay="0"/>
+                                    <p:cond delay="2000"/>
                                   </p:stCondLst>
                                   <p:childTnLst>
                                     <p:set>
@@ -9100,6 +9155,41 @@
                                         <p:cTn id="7" dur="3000"/>
                                         <p:tgtEl>
                                           <p:spTgt spid="32"/>
+                                        </p:tgtEl>
+                                      </p:cBhvr>
+                                    </p:animEffect>
+                                  </p:childTnLst>
+                                </p:cTn>
+                              </p:par>
+                              <p:par>
+                                <p:cTn id="8" presetID="9" presetClass="entr" presetSubtype="0" fill="hold" grpId="0" nodeType="withEffect">
+                                  <p:stCondLst>
+                                    <p:cond delay="4000"/>
+                                  </p:stCondLst>
+                                  <p:childTnLst>
+                                    <p:set>
+                                      <p:cBhvr>
+                                        <p:cTn id="9" dur="1" fill="hold">
+                                          <p:stCondLst>
+                                            <p:cond delay="0"/>
+                                          </p:stCondLst>
+                                        </p:cTn>
+                                        <p:tgtEl>
+                                          <p:spTgt spid="2"/>
+                                        </p:tgtEl>
+                                        <p:attrNameLst>
+                                          <p:attrName>style.visibility</p:attrName>
+                                        </p:attrNameLst>
+                                      </p:cBhvr>
+                                      <p:to>
+                                        <p:strVal val="visible"/>
+                                      </p:to>
+                                    </p:set>
+                                    <p:animEffect transition="in" filter="dissolve">
+                                      <p:cBhvr>
+                                        <p:cTn id="10" dur="1000"/>
+                                        <p:tgtEl>
+                                          <p:spTgt spid="2"/>
                                         </p:tgtEl>
                                       </p:cBhvr>
                                     </p:animEffect>
@@ -9133,6 +9223,9 @@
         </p:cTn>
       </p:par>
     </p:tnLst>
+    <p:bldLst>
+      <p:bldP spid="2" grpId="0" animBg="1"/>
+    </p:bldLst>
   </p:timing>
 </p:sld>
 </file>
